--- a/SEPRoject(Starwars)/Starwars SE Project/Documention/Enhancing Multi-Sequence Learning with accuracy Presenation.. (1).pptx
+++ b/SEPRoject(Starwars)/Starwars SE Project/Documention/Enhancing Multi-Sequence Learning with accuracy Presenation.. (1).pptx
@@ -210,7 +210,7 @@
           <a:p>
             <a:fld id="{71BD4573-58E7-4156-A133-2731F5F8D1A6}" type="datetimeFigureOut">
               <a:rPr lang="en-US" smtClean="0"/>
-              <a:t>4/3/2024</a:t>
+              <a:t>4/7/2024</a:t>
             </a:fld>
             <a:endParaRPr lang="en-US"/>
           </a:p>
@@ -877,7 +877,7 @@
           <a:p>
             <a:fld id="{021A1D30-C0A0-4124-A783-34D9F15FA0FE}" type="datetime1">
               <a:rPr lang="en-US" smtClean="0"/>
-              <a:t>4/3/2024</a:t>
+              <a:t>4/7/2024</a:t>
             </a:fld>
             <a:endParaRPr lang="en-US"/>
           </a:p>
@@ -1063,7 +1063,7 @@
           <a:p>
             <a:fld id="{8D2D5871-AB0F-4B3D-8861-97E78CB7B47E}" type="datetime1">
               <a:rPr lang="en-US" smtClean="0"/>
-              <a:t>4/3/2024</a:t>
+              <a:t>4/7/2024</a:t>
             </a:fld>
             <a:endParaRPr lang="en-US"/>
           </a:p>
@@ -1259,7 +1259,7 @@
           <a:p>
             <a:fld id="{14418406-4C3F-4F3E-80BD-A22568EA37EB}" type="datetime1">
               <a:rPr lang="en-US" smtClean="0"/>
-              <a:t>4/3/2024</a:t>
+              <a:t>4/7/2024</a:t>
             </a:fld>
             <a:endParaRPr lang="en-US"/>
           </a:p>
@@ -1445,7 +1445,7 @@
           <a:p>
             <a:fld id="{65F28077-7188-48C5-8679-2287FAC952E9}" type="datetime1">
               <a:rPr lang="en-US" smtClean="0"/>
-              <a:t>4/3/2024</a:t>
+              <a:t>4/7/2024</a:t>
             </a:fld>
             <a:endParaRPr lang="en-US"/>
           </a:p>
@@ -1694,7 +1694,7 @@
           <a:p>
             <a:fld id="{D2DCB740-6776-4EE9-99FD-96D592FA5A23}" type="datetime1">
               <a:rPr lang="en-US" smtClean="0"/>
-              <a:t>4/3/2024</a:t>
+              <a:t>4/7/2024</a:t>
             </a:fld>
             <a:endParaRPr lang="en-US"/>
           </a:p>
@@ -1979,7 +1979,7 @@
           <a:p>
             <a:fld id="{05F6BD99-6FFD-46C5-B5E2-43A34BDA2566}" type="datetime1">
               <a:rPr lang="en-US" smtClean="0"/>
-              <a:t>4/3/2024</a:t>
+              <a:t>4/7/2024</a:t>
             </a:fld>
             <a:endParaRPr lang="en-US"/>
           </a:p>
@@ -2378,7 +2378,7 @@
           <a:p>
             <a:fld id="{E022678E-214C-4CF8-97C7-95015FB02960}" type="datetime1">
               <a:rPr lang="en-US" smtClean="0"/>
-              <a:t>4/3/2024</a:t>
+              <a:t>4/7/2024</a:t>
             </a:fld>
             <a:endParaRPr lang="en-US"/>
           </a:p>
@@ -2549,7 +2549,7 @@
           <a:p>
             <a:fld id="{D55660E0-FA77-4473-A859-74127B089143}" type="datetime1">
               <a:rPr lang="en-US" smtClean="0"/>
-              <a:t>4/3/2024</a:t>
+              <a:t>4/7/2024</a:t>
             </a:fld>
             <a:endParaRPr lang="en-US"/>
           </a:p>
@@ -2660,7 +2660,7 @@
           <a:p>
             <a:fld id="{3188D7B8-9F07-4899-827D-5F3CFDDEB574}" type="datetime1">
               <a:rPr lang="en-US" smtClean="0"/>
-              <a:t>4/3/2024</a:t>
+              <a:t>4/7/2024</a:t>
             </a:fld>
             <a:endParaRPr lang="en-US"/>
           </a:p>
@@ -2942,7 +2942,7 @@
           <a:p>
             <a:fld id="{B5197C5C-1CD1-417D-A89C-14747F5222C7}" type="datetime1">
               <a:rPr lang="en-US" smtClean="0"/>
-              <a:t>4/3/2024</a:t>
+              <a:t>4/7/2024</a:t>
             </a:fld>
             <a:endParaRPr lang="en-US"/>
           </a:p>
@@ -3297,7 +3297,7 @@
           <a:p>
             <a:fld id="{1359EFBB-CFA1-4AA8-9123-F0B52DBD84FE}" type="datetime1">
               <a:rPr lang="en-US" smtClean="0"/>
-              <a:t>4/3/2024</a:t>
+              <a:t>4/7/2024</a:t>
             </a:fld>
             <a:endParaRPr lang="en-US"/>
           </a:p>
@@ -4332,7 +4332,7 @@
             <a:fld id="{61146459-E3C3-4969-9224-5ED50B492D17}" type="datetime1">
               <a:rPr lang="en-US" smtClean="0"/>
               <a:pPr/>
-              <a:t>4/3/2024</a:t>
+              <a:t>4/7/2024</a:t>
             </a:fld>
             <a:endParaRPr lang="en-US" dirty="0"/>
           </a:p>
@@ -11548,7 +11548,7 @@
         </p:spPr>
         <p:txBody>
           <a:bodyPr>
-            <a:normAutofit fontScale="92500" lnSpcReduction="10000"/>
+            <a:normAutofit fontScale="85000" lnSpcReduction="10000"/>
           </a:bodyPr>
           <a:lstStyle/>
           <a:p>
@@ -11580,31 +11580,38 @@
                 <a:latin typeface="Arial" panose="020B0604020202020204" pitchFamily="34" charset="0"/>
                 <a:cs typeface="Arial" panose="020B0604020202020204" pitchFamily="34" charset="0"/>
               </a:rPr>
-              <a:t>Significantly improved the multi-sequence learning framework based on </a:t>
-            </a:r>
-            <a:r>
-              <a:rPr lang="en-GB" dirty="0" err="1">
+              <a:t>Significantly improved the multi-sequence learning </a:t>
+            </a:r>
+            <a:r>
+              <a:rPr lang="en-GB" dirty="0" smtClean="0">
                 <a:latin typeface="Arial" panose="020B0604020202020204" pitchFamily="34" charset="0"/>
                 <a:cs typeface="Arial" panose="020B0604020202020204" pitchFamily="34" charset="0"/>
               </a:rPr>
-              <a:t>Numenta's</a:t>
+              <a:t>accuracy</a:t>
+            </a:r>
+            <a:r>
+              <a:rPr lang="en-GB" dirty="0" smtClean="0">
+                <a:latin typeface="Arial" panose="020B0604020202020204" pitchFamily="34" charset="0"/>
+                <a:cs typeface="Arial" panose="020B0604020202020204" pitchFamily="34" charset="0"/>
+              </a:rPr>
+              <a:t>.</a:t>
+            </a:r>
+          </a:p>
+          <a:p>
+            <a:pPr lvl="1"/>
+            <a:r>
+              <a:rPr lang="en-GB" dirty="0" smtClean="0">
+                <a:latin typeface="Arial" panose="020B0604020202020204" pitchFamily="34" charset="0"/>
+                <a:cs typeface="Arial" panose="020B0604020202020204" pitchFamily="34" charset="0"/>
+              </a:rPr>
+              <a:t>Expanded </a:t>
             </a:r>
             <a:r>
               <a:rPr lang="en-GB" dirty="0">
                 <a:latin typeface="Arial" panose="020B0604020202020204" pitchFamily="34" charset="0"/>
                 <a:cs typeface="Arial" panose="020B0604020202020204" pitchFamily="34" charset="0"/>
               </a:rPr>
-              <a:t> HTM model.</a:t>
-            </a:r>
-          </a:p>
-          <a:p>
-            <a:pPr lvl="1"/>
-            <a:r>
-              <a:rPr lang="en-GB" dirty="0">
-                <a:latin typeface="Arial" panose="020B0604020202020204" pitchFamily="34" charset="0"/>
-                <a:cs typeface="Arial" panose="020B0604020202020204" pitchFamily="34" charset="0"/>
-              </a:rPr>
-              <a:t>Expanded capabilities to handle both numeric and alphabetic datasets effectively</a:t>
+              <a:t>capabilities to handle both numeric and alphabetic datasets effectively</a:t>
             </a:r>
             <a:r>
               <a:rPr lang="en-GB" dirty="0" smtClean="0">
@@ -11613,6 +11620,20 @@
               </a:rPr>
               <a:t>.</a:t>
             </a:r>
+          </a:p>
+          <a:p>
+            <a:pPr lvl="1"/>
+            <a:r>
+              <a:rPr lang="en-GB" dirty="0" smtClean="0">
+                <a:latin typeface="Arial" panose="020B0604020202020204" pitchFamily="34" charset="0"/>
+                <a:cs typeface="Arial" panose="020B0604020202020204" pitchFamily="34" charset="0"/>
+              </a:rPr>
+              <a:t>Introduce threads to learn multiple training data simultaneously.</a:t>
+            </a:r>
+            <a:endParaRPr lang="en-GB" dirty="0" smtClean="0">
+              <a:latin typeface="Arial" panose="020B0604020202020204" pitchFamily="34" charset="0"/>
+              <a:cs typeface="Arial" panose="020B0604020202020204" pitchFamily="34" charset="0"/>
+            </a:endParaRPr>
           </a:p>
           <a:p>
             <a:pPr marL="393192" lvl="1" indent="0">
@@ -11917,7 +11938,7 @@
         </p:nvSpPr>
         <p:spPr>
           <a:xfrm>
-            <a:off x="8934994" y="3115383"/>
+            <a:off x="8930640" y="3068937"/>
             <a:ext cx="2795452" cy="431075"/>
           </a:xfrm>
           <a:prstGeom prst="roundRect">
@@ -12140,8 +12161,8 @@
         </p:nvCxnSpPr>
         <p:spPr>
           <a:xfrm>
-            <a:off x="10332720" y="3546458"/>
-            <a:ext cx="0" cy="304636"/>
+            <a:off x="10328366" y="3500012"/>
+            <a:ext cx="4354" cy="351082"/>
           </a:xfrm>
           <a:prstGeom prst="straightConnector1">
             <a:avLst/>
